--- a/React Lifecycle.pptx
+++ b/React Lifecycle.pptx
@@ -6,6 +6,7 @@
   </p:sldMasterIdLst>
   <p:sldIdLst>
     <p:sldId id="256" r:id="rId2"/>
+    <p:sldId id="257" r:id="rId3"/>
   </p:sldIdLst>
   <p:sldSz cx="12192000" cy="6858000"/>
   <p:notesSz cx="6858000" cy="9144000"/>
@@ -3154,12 +3155,8 @@
           <a:lstStyle/>
           <a:p>
             <a:r>
-              <a:rPr lang="en-US"/>
-              <a:t>React </a:t>
-            </a:r>
-            <a:r>
               <a:rPr lang="en-US" dirty="0"/>
-              <a:t>Lifecycle</a:t>
+              <a:t>React lifecycle</a:t>
             </a:r>
             <a:endParaRPr lang="ru-RU" dirty="0"/>
           </a:p>
@@ -3244,6 +3241,98 @@
     <p:extLst>
       <p:ext uri="{BB962C8B-B14F-4D97-AF65-F5344CB8AC3E}">
         <p14:creationId xmlns:p14="http://schemas.microsoft.com/office/powerpoint/2010/main" val="2658610388"/>
+      </p:ext>
+    </p:extLst>
+  </p:cSld>
+  <p:clrMapOvr>
+    <a:masterClrMapping/>
+  </p:clrMapOvr>
+</p:sld>
+</file>
+
+<file path=ppt/slides/slide2.xml><?xml version="1.0" encoding="utf-8"?>
+<p:sld xmlns:a="http://schemas.openxmlformats.org/drawingml/2006/main" xmlns:r="http://schemas.openxmlformats.org/officeDocument/2006/relationships" xmlns:p="http://schemas.openxmlformats.org/presentationml/2006/main">
+  <p:cSld>
+    <p:spTree>
+      <p:nvGrpSpPr>
+        <p:cNvPr id="1" name=""/>
+        <p:cNvGrpSpPr/>
+        <p:nvPr/>
+      </p:nvGrpSpPr>
+      <p:grpSpPr>
+        <a:xfrm>
+          <a:off x="0" y="0"/>
+          <a:ext cx="0" cy="0"/>
+          <a:chOff x="0" y="0"/>
+          <a:chExt cx="0" cy="0"/>
+        </a:xfrm>
+      </p:grpSpPr>
+      <p:sp>
+        <p:nvSpPr>
+          <p:cNvPr id="2" name="Заголовок 1">
+            <a:extLst>
+              <a:ext uri="{FF2B5EF4-FFF2-40B4-BE49-F238E27FC236}">
+                <a16:creationId xmlns:a16="http://schemas.microsoft.com/office/drawing/2014/main" id="{88BFFC55-0C0C-5144-B89C-C487EEC02090}"/>
+              </a:ext>
+            </a:extLst>
+          </p:cNvPr>
+          <p:cNvSpPr>
+            <a:spLocks noGrp="1"/>
+          </p:cNvSpPr>
+          <p:nvPr>
+            <p:ph type="title"/>
+          </p:nvPr>
+        </p:nvSpPr>
+        <p:spPr/>
+        <p:txBody>
+          <a:bodyPr/>
+          <a:lstStyle/>
+          <a:p>
+            <a:r>
+              <a:rPr lang="ru-RU"/>
+              <a:t>Полезные ссылки</a:t>
+            </a:r>
+          </a:p>
+        </p:txBody>
+      </p:sp>
+      <p:sp>
+        <p:nvSpPr>
+          <p:cNvPr id="3" name="Объект 2">
+            <a:extLst>
+              <a:ext uri="{FF2B5EF4-FFF2-40B4-BE49-F238E27FC236}">
+                <a16:creationId xmlns:a16="http://schemas.microsoft.com/office/drawing/2014/main" id="{804303A2-2E07-0D4D-B4DC-5E7EA7D13D28}"/>
+              </a:ext>
+            </a:extLst>
+          </p:cNvPr>
+          <p:cNvSpPr>
+            <a:spLocks noGrp="1"/>
+          </p:cNvSpPr>
+          <p:nvPr>
+            <p:ph idx="1"/>
+          </p:nvPr>
+        </p:nvSpPr>
+        <p:spPr/>
+        <p:txBody>
+          <a:bodyPr/>
+          <a:lstStyle/>
+          <a:p>
+            <a:r>
+              <a:rPr lang="en" dirty="0">
+                <a:hlinkClick r:id="rId2"/>
+              </a:rPr>
+              <a:t>https://twitter.com/dan_abramov/status/981712092611989509</a:t>
+            </a:r>
+            <a:endParaRPr lang="en" dirty="0"/>
+          </a:p>
+          <a:p>
+            <a:endParaRPr lang="ru-RU" dirty="0"/>
+          </a:p>
+        </p:txBody>
+      </p:sp>
+    </p:spTree>
+    <p:extLst>
+      <p:ext uri="{BB962C8B-B14F-4D97-AF65-F5344CB8AC3E}">
+        <p14:creationId xmlns:p14="http://schemas.microsoft.com/office/powerpoint/2010/main" val="667252941"/>
       </p:ext>
     </p:extLst>
   </p:cSld>

--- a/React Lifecycle.pptx
+++ b/React Lifecycle.pptx
@@ -22,7 +22,8 @@
     <p:sldId id="274" r:id="rId16"/>
     <p:sldId id="270" r:id="rId17"/>
     <p:sldId id="273" r:id="rId18"/>
-    <p:sldId id="257" r:id="rId19"/>
+    <p:sldId id="275" r:id="rId19"/>
+    <p:sldId id="257" r:id="rId20"/>
   </p:sldIdLst>
   <p:sldSz cx="12192000" cy="6858000"/>
   <p:notesSz cx="6858000" cy="9144000"/>
@@ -287,7 +288,7 @@
           <a:p>
             <a:fld id="{1A737AAA-9FE6-EB48-B34A-8F412D799510}" type="datetimeFigureOut">
               <a:rPr lang="ru-RU" smtClean="0"/>
-              <a:t>16.09.2018</a:t>
+              <a:t>27.09.2018</a:t>
             </a:fld>
             <a:endParaRPr lang="ru-RU"/>
           </a:p>
@@ -460,7 +461,7 @@
           <a:p>
             <a:fld id="{1A737AAA-9FE6-EB48-B34A-8F412D799510}" type="datetimeFigureOut">
               <a:rPr lang="ru-RU" smtClean="0"/>
-              <a:t>16.09.2018</a:t>
+              <a:t>27.09.2018</a:t>
             </a:fld>
             <a:endParaRPr lang="ru-RU"/>
           </a:p>
@@ -643,7 +644,7 @@
           <a:p>
             <a:fld id="{1A737AAA-9FE6-EB48-B34A-8F412D799510}" type="datetimeFigureOut">
               <a:rPr lang="ru-RU" smtClean="0"/>
-              <a:t>16.09.2018</a:t>
+              <a:t>27.09.2018</a:t>
             </a:fld>
             <a:endParaRPr lang="ru-RU"/>
           </a:p>
@@ -816,7 +817,7 @@
           <a:p>
             <a:fld id="{1A737AAA-9FE6-EB48-B34A-8F412D799510}" type="datetimeFigureOut">
               <a:rPr lang="ru-RU" smtClean="0"/>
-              <a:t>16.09.2018</a:t>
+              <a:t>27.09.2018</a:t>
             </a:fld>
             <a:endParaRPr lang="ru-RU"/>
           </a:p>
@@ -1094,7 +1095,7 @@
           <a:p>
             <a:fld id="{1A737AAA-9FE6-EB48-B34A-8F412D799510}" type="datetimeFigureOut">
               <a:rPr lang="ru-RU" smtClean="0"/>
-              <a:t>16.09.2018</a:t>
+              <a:t>27.09.2018</a:t>
             </a:fld>
             <a:endParaRPr lang="ru-RU"/>
           </a:p>
@@ -1309,7 +1310,7 @@
           <a:p>
             <a:fld id="{1A737AAA-9FE6-EB48-B34A-8F412D799510}" type="datetimeFigureOut">
               <a:rPr lang="ru-RU" smtClean="0"/>
-              <a:t>16.09.2018</a:t>
+              <a:t>27.09.2018</a:t>
             </a:fld>
             <a:endParaRPr lang="ru-RU"/>
           </a:p>
@@ -1677,7 +1678,7 @@
           <a:p>
             <a:fld id="{1A737AAA-9FE6-EB48-B34A-8F412D799510}" type="datetimeFigureOut">
               <a:rPr lang="ru-RU" smtClean="0"/>
-              <a:t>16.09.2018</a:t>
+              <a:t>27.09.2018</a:t>
             </a:fld>
             <a:endParaRPr lang="ru-RU"/>
           </a:p>
@@ -1818,7 +1819,7 @@
           <a:p>
             <a:fld id="{1A737AAA-9FE6-EB48-B34A-8F412D799510}" type="datetimeFigureOut">
               <a:rPr lang="ru-RU" smtClean="0"/>
-              <a:t>16.09.2018</a:t>
+              <a:t>27.09.2018</a:t>
             </a:fld>
             <a:endParaRPr lang="ru-RU"/>
           </a:p>
@@ -1931,7 +1932,7 @@
           <a:p>
             <a:fld id="{1A737AAA-9FE6-EB48-B34A-8F412D799510}" type="datetimeFigureOut">
               <a:rPr lang="ru-RU" smtClean="0"/>
-              <a:t>16.09.2018</a:t>
+              <a:t>27.09.2018</a:t>
             </a:fld>
             <a:endParaRPr lang="ru-RU"/>
           </a:p>
@@ -2220,7 +2221,7 @@
           <a:p>
             <a:fld id="{1A737AAA-9FE6-EB48-B34A-8F412D799510}" type="datetimeFigureOut">
               <a:rPr lang="ru-RU" smtClean="0"/>
-              <a:t>16.09.2018</a:t>
+              <a:t>27.09.2018</a:t>
             </a:fld>
             <a:endParaRPr lang="ru-RU"/>
           </a:p>
@@ -2511,7 +2512,7 @@
           <a:p>
             <a:fld id="{1A737AAA-9FE6-EB48-B34A-8F412D799510}" type="datetimeFigureOut">
               <a:rPr lang="ru-RU" smtClean="0"/>
-              <a:t>16.09.2018</a:t>
+              <a:t>27.09.2018</a:t>
             </a:fld>
             <a:endParaRPr lang="ru-RU"/>
           </a:p>
@@ -2727,7 +2728,7 @@
           <a:p>
             <a:fld id="{1A737AAA-9FE6-EB48-B34A-8F412D799510}" type="datetimeFigureOut">
               <a:rPr lang="ru-RU" smtClean="0"/>
-              <a:t>16.09.2018</a:t>
+              <a:t>27.09.2018</a:t>
             </a:fld>
             <a:endParaRPr lang="ru-RU"/>
           </a:p>
@@ -4799,6 +4800,74 @@
       </p:grpSpPr>
       <p:sp>
         <p:nvSpPr>
+          <p:cNvPr id="3" name="Объект 2">
+            <a:extLst>
+              <a:ext uri="{FF2B5EF4-FFF2-40B4-BE49-F238E27FC236}">
+                <a16:creationId xmlns:a16="http://schemas.microsoft.com/office/drawing/2014/main" id="{01B397E6-6758-304C-8837-03F8E66E4E32}"/>
+              </a:ext>
+            </a:extLst>
+          </p:cNvPr>
+          <p:cNvSpPr>
+            <a:spLocks noGrp="1"/>
+          </p:cNvSpPr>
+          <p:nvPr>
+            <p:ph idx="1"/>
+          </p:nvPr>
+        </p:nvSpPr>
+        <p:spPr>
+          <a:xfrm>
+            <a:off x="838200" y="226031"/>
+            <a:ext cx="10515600" cy="5950932"/>
+          </a:xfrm>
+        </p:spPr>
+        <p:txBody>
+          <a:bodyPr anchor="ctr">
+            <a:normAutofit/>
+          </a:bodyPr>
+          <a:lstStyle/>
+          <a:p>
+            <a:pPr marL="0" indent="0" algn="ctr">
+              <a:buNone/>
+            </a:pPr>
+            <a:r>
+              <a:rPr lang="ru-RU" sz="6000" dirty="0"/>
+              <a:t>СПАСИБО</a:t>
+            </a:r>
+          </a:p>
+        </p:txBody>
+      </p:sp>
+    </p:spTree>
+    <p:extLst>
+      <p:ext uri="{BB962C8B-B14F-4D97-AF65-F5344CB8AC3E}">
+        <p14:creationId xmlns:p14="http://schemas.microsoft.com/office/powerpoint/2010/main" val="3475304346"/>
+      </p:ext>
+    </p:extLst>
+  </p:cSld>
+  <p:clrMapOvr>
+    <a:masterClrMapping/>
+  </p:clrMapOvr>
+</p:sld>
+</file>
+
+<file path=ppt/slides/slide19.xml><?xml version="1.0" encoding="utf-8"?>
+<p:sld xmlns:a="http://schemas.openxmlformats.org/drawingml/2006/main" xmlns:r="http://schemas.openxmlformats.org/officeDocument/2006/relationships" xmlns:p="http://schemas.openxmlformats.org/presentationml/2006/main">
+  <p:cSld>
+    <p:spTree>
+      <p:nvGrpSpPr>
+        <p:cNvPr id="1" name=""/>
+        <p:cNvGrpSpPr/>
+        <p:nvPr/>
+      </p:nvGrpSpPr>
+      <p:grpSpPr>
+        <a:xfrm>
+          <a:off x="0" y="0"/>
+          <a:ext cx="0" cy="0"/>
+          <a:chOff x="0" y="0"/>
+          <a:chExt cx="0" cy="0"/>
+        </a:xfrm>
+      </p:grpSpPr>
+      <p:sp>
+        <p:nvSpPr>
           <p:cNvPr id="2" name="Заголовок 1">
             <a:extLst>
               <a:ext uri="{FF2B5EF4-FFF2-40B4-BE49-F238E27FC236}">
@@ -4813,7 +4882,12 @@
             <p:ph type="title"/>
           </p:nvPr>
         </p:nvSpPr>
-        <p:spPr/>
+        <p:spPr>
+          <a:xfrm>
+            <a:off x="838200" y="0"/>
+            <a:ext cx="10515600" cy="1325563"/>
+          </a:xfrm>
+        </p:spPr>
         <p:txBody>
           <a:bodyPr/>
           <a:lstStyle/>
@@ -4841,7 +4915,12 @@
             <p:ph idx="1"/>
           </p:nvPr>
         </p:nvSpPr>
-        <p:spPr/>
+        <p:spPr>
+          <a:xfrm>
+            <a:off x="838200" y="1325563"/>
+            <a:ext cx="10515600" cy="4351338"/>
+          </a:xfrm>
+        </p:spPr>
         <p:txBody>
           <a:bodyPr>
             <a:normAutofit/>

--- a/React Lifecycle.pptx
+++ b/React Lifecycle.pptx
@@ -287,7 +287,7 @@
           <a:p>
             <a:fld id="{1A737AAA-9FE6-EB48-B34A-8F412D799510}" type="datetimeFigureOut">
               <a:rPr lang="ru-RU" smtClean="0"/>
-              <a:t>16.09.2018</a:t>
+              <a:t>27.09.2018</a:t>
             </a:fld>
             <a:endParaRPr lang="ru-RU"/>
           </a:p>
@@ -460,7 +460,7 @@
           <a:p>
             <a:fld id="{1A737AAA-9FE6-EB48-B34A-8F412D799510}" type="datetimeFigureOut">
               <a:rPr lang="ru-RU" smtClean="0"/>
-              <a:t>16.09.2018</a:t>
+              <a:t>27.09.2018</a:t>
             </a:fld>
             <a:endParaRPr lang="ru-RU"/>
           </a:p>
@@ -643,7 +643,7 @@
           <a:p>
             <a:fld id="{1A737AAA-9FE6-EB48-B34A-8F412D799510}" type="datetimeFigureOut">
               <a:rPr lang="ru-RU" smtClean="0"/>
-              <a:t>16.09.2018</a:t>
+              <a:t>27.09.2018</a:t>
             </a:fld>
             <a:endParaRPr lang="ru-RU"/>
           </a:p>
@@ -816,7 +816,7 @@
           <a:p>
             <a:fld id="{1A737AAA-9FE6-EB48-B34A-8F412D799510}" type="datetimeFigureOut">
               <a:rPr lang="ru-RU" smtClean="0"/>
-              <a:t>16.09.2018</a:t>
+              <a:t>27.09.2018</a:t>
             </a:fld>
             <a:endParaRPr lang="ru-RU"/>
           </a:p>
@@ -1094,7 +1094,7 @@
           <a:p>
             <a:fld id="{1A737AAA-9FE6-EB48-B34A-8F412D799510}" type="datetimeFigureOut">
               <a:rPr lang="ru-RU" smtClean="0"/>
-              <a:t>16.09.2018</a:t>
+              <a:t>27.09.2018</a:t>
             </a:fld>
             <a:endParaRPr lang="ru-RU"/>
           </a:p>
@@ -1309,7 +1309,7 @@
           <a:p>
             <a:fld id="{1A737AAA-9FE6-EB48-B34A-8F412D799510}" type="datetimeFigureOut">
               <a:rPr lang="ru-RU" smtClean="0"/>
-              <a:t>16.09.2018</a:t>
+              <a:t>27.09.2018</a:t>
             </a:fld>
             <a:endParaRPr lang="ru-RU"/>
           </a:p>
@@ -1677,7 +1677,7 @@
           <a:p>
             <a:fld id="{1A737AAA-9FE6-EB48-B34A-8F412D799510}" type="datetimeFigureOut">
               <a:rPr lang="ru-RU" smtClean="0"/>
-              <a:t>16.09.2018</a:t>
+              <a:t>27.09.2018</a:t>
             </a:fld>
             <a:endParaRPr lang="ru-RU"/>
           </a:p>
@@ -1818,7 +1818,7 @@
           <a:p>
             <a:fld id="{1A737AAA-9FE6-EB48-B34A-8F412D799510}" type="datetimeFigureOut">
               <a:rPr lang="ru-RU" smtClean="0"/>
-              <a:t>16.09.2018</a:t>
+              <a:t>27.09.2018</a:t>
             </a:fld>
             <a:endParaRPr lang="ru-RU"/>
           </a:p>
@@ -1931,7 +1931,7 @@
           <a:p>
             <a:fld id="{1A737AAA-9FE6-EB48-B34A-8F412D799510}" type="datetimeFigureOut">
               <a:rPr lang="ru-RU" smtClean="0"/>
-              <a:t>16.09.2018</a:t>
+              <a:t>27.09.2018</a:t>
             </a:fld>
             <a:endParaRPr lang="ru-RU"/>
           </a:p>
@@ -2220,7 +2220,7 @@
           <a:p>
             <a:fld id="{1A737AAA-9FE6-EB48-B34A-8F412D799510}" type="datetimeFigureOut">
               <a:rPr lang="ru-RU" smtClean="0"/>
-              <a:t>16.09.2018</a:t>
+              <a:t>27.09.2018</a:t>
             </a:fld>
             <a:endParaRPr lang="ru-RU"/>
           </a:p>
@@ -2511,7 +2511,7 @@
           <a:p>
             <a:fld id="{1A737AAA-9FE6-EB48-B34A-8F412D799510}" type="datetimeFigureOut">
               <a:rPr lang="ru-RU" smtClean="0"/>
-              <a:t>16.09.2018</a:t>
+              <a:t>27.09.2018</a:t>
             </a:fld>
             <a:endParaRPr lang="ru-RU"/>
           </a:p>
@@ -2727,7 +2727,7 @@
           <a:p>
             <a:fld id="{1A737AAA-9FE6-EB48-B34A-8F412D799510}" type="datetimeFigureOut">
               <a:rPr lang="ru-RU" smtClean="0"/>
-              <a:t>16.09.2018</a:t>
+              <a:t>27.09.2018</a:t>
             </a:fld>
             <a:endParaRPr lang="ru-RU"/>
           </a:p>
@@ -4682,7 +4682,9 @@
           </a:xfrm>
         </p:spPr>
         <p:txBody>
-          <a:bodyPr/>
+          <a:bodyPr>
+            <a:normAutofit fontScale="77500" lnSpcReduction="20000"/>
+          </a:bodyPr>
           <a:lstStyle/>
           <a:p>
             <a:pPr marL="0" indent="0">
@@ -4761,6 +4763,88 @@
               <a:t>UI</a:t>
             </a:r>
             <a:endParaRPr lang="ru-RU" dirty="0"/>
+          </a:p>
+          <a:p>
+            <a:pPr marL="0" indent="0">
+              <a:buNone/>
+            </a:pPr>
+            <a:endParaRPr lang="ru-RU" dirty="0"/>
+          </a:p>
+          <a:p>
+            <a:pPr marL="0" indent="0">
+              <a:buNone/>
+            </a:pPr>
+            <a:r>
+              <a:rPr lang="ru-RU" dirty="0"/>
+              <a:t>Не отлавливает ошибки в:</a:t>
+            </a:r>
+            <a:br>
+              <a:rPr lang="ru-RU" dirty="0"/>
+            </a:br>
+            <a:br>
+              <a:rPr lang="ru-RU" dirty="0"/>
+            </a:br>
+            <a:r>
+              <a:rPr lang="ru-RU" b="1" dirty="0"/>
+              <a:t>- </a:t>
+            </a:r>
+            <a:r>
+              <a:rPr lang="ru-RU" dirty="0"/>
+              <a:t>Обработчики событий (# </a:t>
+            </a:r>
+            <a:r>
+              <a:rPr lang="en" i="1" dirty="0" err="1"/>
+              <a:t>onC</a:t>
+            </a:r>
+            <a:r>
+              <a:rPr lang="en-US" i="1"/>
+              <a:t>l</a:t>
+            </a:r>
+            <a:r>
+              <a:rPr lang="en" i="1"/>
+              <a:t>ick</a:t>
+            </a:r>
+            <a:r>
+              <a:rPr lang="en" dirty="0"/>
+              <a:t>)</a:t>
+            </a:r>
+            <a:br>
+              <a:rPr lang="en" dirty="0"/>
+            </a:br>
+            <a:r>
+              <a:rPr lang="en" b="1" dirty="0"/>
+              <a:t>- </a:t>
+            </a:r>
+            <a:r>
+              <a:rPr lang="ru-RU" dirty="0"/>
+              <a:t>Асинхронный код (# </a:t>
+            </a:r>
+            <a:r>
+              <a:rPr lang="en" dirty="0"/>
+              <a:t>Timeout)</a:t>
+            </a:r>
+            <a:br>
+              <a:rPr lang="en" dirty="0"/>
+            </a:br>
+            <a:r>
+              <a:rPr lang="en" b="1" dirty="0"/>
+              <a:t>- </a:t>
+            </a:r>
+            <a:r>
+              <a:rPr lang="en" dirty="0"/>
+              <a:t>SSR</a:t>
+            </a:r>
+            <a:br>
+              <a:rPr lang="en" dirty="0"/>
+            </a:br>
+            <a:r>
+              <a:rPr lang="en" b="1" dirty="0"/>
+              <a:t>- </a:t>
+            </a:r>
+            <a:r>
+              <a:rPr lang="ru-RU" dirty="0"/>
+              <a:t>Компонент с таким методом не ищет проблемы в самом себе</a:t>
+            </a:r>
           </a:p>
           <a:p>
             <a:endParaRPr lang="ru-RU" dirty="0"/>

--- a/React Lifecycle.pptx
+++ b/React Lifecycle.pptx
@@ -22,7 +22,8 @@
     <p:sldId id="274" r:id="rId16"/>
     <p:sldId id="270" r:id="rId17"/>
     <p:sldId id="273" r:id="rId18"/>
-    <p:sldId id="257" r:id="rId19"/>
+    <p:sldId id="275" r:id="rId19"/>
+    <p:sldId id="257" r:id="rId20"/>
   </p:sldIdLst>
   <p:sldSz cx="12192000" cy="6858000"/>
   <p:notesSz cx="6858000" cy="9144000"/>
@@ -3367,15 +3368,7 @@
             </a:r>
             <a:r>
               <a:rPr lang="ru-RU" dirty="0"/>
-              <a:t>третьим параметром </a:t>
-            </a:r>
-            <a:r>
-              <a:rPr lang="ru-RU" dirty="0" err="1"/>
-              <a:t>дополниельные</a:t>
-            </a:r>
-            <a:r>
-              <a:rPr lang="ru-RU" dirty="0"/>
-              <a:t> данные</a:t>
+              <a:t>третьим параметром дополнительные данные</a:t>
             </a:r>
           </a:p>
           <a:p>
@@ -4474,6 +4467,86 @@
           </a:prstGeom>
         </p:spPr>
       </p:pic>
+      <p:pic>
+        <p:nvPicPr>
+          <p:cNvPr id="5" name="Рисунок 4">
+            <a:extLst>
+              <a:ext uri="{FF2B5EF4-FFF2-40B4-BE49-F238E27FC236}">
+                <a16:creationId xmlns:a16="http://schemas.microsoft.com/office/drawing/2014/main" id="{4AC4A86A-FCBD-4B45-B6FF-285498439A57}"/>
+              </a:ext>
+            </a:extLst>
+          </p:cNvPr>
+          <p:cNvPicPr>
+            <a:picLocks noChangeAspect="1"/>
+          </p:cNvPicPr>
+          <p:nvPr/>
+        </p:nvPicPr>
+        <p:blipFill>
+          <a:blip r:embed="rId3"/>
+          <a:stretch>
+            <a:fillRect/>
+          </a:stretch>
+        </p:blipFill>
+        <p:spPr>
+          <a:xfrm>
+            <a:off x="953853" y="3719226"/>
+            <a:ext cx="4356100" cy="1981200"/>
+          </a:xfrm>
+          <a:prstGeom prst="rect">
+            <a:avLst/>
+          </a:prstGeom>
+        </p:spPr>
+      </p:pic>
+      <p:sp>
+        <p:nvSpPr>
+          <p:cNvPr id="9" name="Прямоугольник 8">
+            <a:extLst>
+              <a:ext uri="{FF2B5EF4-FFF2-40B4-BE49-F238E27FC236}">
+                <a16:creationId xmlns:a16="http://schemas.microsoft.com/office/drawing/2014/main" id="{ED37F6EE-430E-3D47-80BB-81FB4572CFF7}"/>
+              </a:ext>
+            </a:extLst>
+          </p:cNvPr>
+          <p:cNvSpPr/>
+          <p:nvPr/>
+        </p:nvSpPr>
+        <p:spPr>
+          <a:xfrm>
+            <a:off x="1169233" y="3942413"/>
+            <a:ext cx="4140720" cy="1528997"/>
+          </a:xfrm>
+          <a:prstGeom prst="rect">
+            <a:avLst/>
+          </a:prstGeom>
+          <a:noFill/>
+          <a:ln>
+            <a:solidFill>
+              <a:srgbClr val="FF0000"/>
+            </a:solidFill>
+          </a:ln>
+        </p:spPr>
+        <p:style>
+          <a:lnRef idx="2">
+            <a:schemeClr val="accent6"/>
+          </a:lnRef>
+          <a:fillRef idx="1">
+            <a:schemeClr val="lt1"/>
+          </a:fillRef>
+          <a:effectRef idx="0">
+            <a:schemeClr val="accent6"/>
+          </a:effectRef>
+          <a:fontRef idx="minor">
+            <a:schemeClr val="dk1"/>
+          </a:fontRef>
+        </p:style>
+        <p:txBody>
+          <a:bodyPr rtlCol="0" anchor="ctr"/>
+          <a:lstStyle/>
+          <a:p>
+            <a:pPr algn="ctr"/>
+            <a:endParaRPr lang="ru-RU"/>
+          </a:p>
+        </p:txBody>
+      </p:sp>
     </p:spTree>
     <p:extLst>
       <p:ext uri="{BB962C8B-B14F-4D97-AF65-F5344CB8AC3E}">
@@ -4505,7 +4578,7 @@
                             </p:stCondLst>
                             <p:childTnLst>
                               <p:par>
-                                <p:cTn id="5" presetID="2" presetClass="entr" presetSubtype="4" fill="hold" nodeType="clickEffect">
+                                <p:cTn id="5" presetID="9" presetClass="entr" presetSubtype="0" fill="hold" grpId="0" nodeType="clickEffect">
                                   <p:stCondLst>
                                     <p:cond delay="0"/>
                                   </p:stCondLst>
@@ -4513,6 +4586,59 @@
                                     <p:set>
                                       <p:cBhvr>
                                         <p:cTn id="6" dur="1" fill="hold">
+                                          <p:stCondLst>
+                                            <p:cond delay="0"/>
+                                          </p:stCondLst>
+                                        </p:cTn>
+                                        <p:tgtEl>
+                                          <p:spTgt spid="9"/>
+                                        </p:tgtEl>
+                                        <p:attrNameLst>
+                                          <p:attrName>style.visibility</p:attrName>
+                                        </p:attrNameLst>
+                                      </p:cBhvr>
+                                      <p:to>
+                                        <p:strVal val="visible"/>
+                                      </p:to>
+                                    </p:set>
+                                    <p:animEffect transition="in" filter="dissolve">
+                                      <p:cBhvr>
+                                        <p:cTn id="7" dur="500"/>
+                                        <p:tgtEl>
+                                          <p:spTgt spid="9"/>
+                                        </p:tgtEl>
+                                      </p:cBhvr>
+                                    </p:animEffect>
+                                  </p:childTnLst>
+                                </p:cTn>
+                              </p:par>
+                            </p:childTnLst>
+                          </p:cTn>
+                        </p:par>
+                      </p:childTnLst>
+                    </p:cTn>
+                  </p:par>
+                  <p:par>
+                    <p:cTn id="8" fill="hold">
+                      <p:stCondLst>
+                        <p:cond delay="indefinite"/>
+                      </p:stCondLst>
+                      <p:childTnLst>
+                        <p:par>
+                          <p:cTn id="9" fill="hold">
+                            <p:stCondLst>
+                              <p:cond delay="0"/>
+                            </p:stCondLst>
+                            <p:childTnLst>
+                              <p:par>
+                                <p:cTn id="10" presetID="2" presetClass="entr" presetSubtype="4" fill="hold" nodeType="clickEffect">
+                                  <p:stCondLst>
+                                    <p:cond delay="0"/>
+                                  </p:stCondLst>
+                                  <p:childTnLst>
+                                    <p:set>
+                                      <p:cBhvr>
+                                        <p:cTn id="11" dur="1" fill="hold">
                                           <p:stCondLst>
                                             <p:cond delay="0"/>
                                           </p:stCondLst>
@@ -4530,7 +4656,7 @@
                                     </p:set>
                                     <p:anim calcmode="lin" valueType="num">
                                       <p:cBhvr additive="base">
-                                        <p:cTn id="7" dur="500" fill="hold"/>
+                                        <p:cTn id="12" dur="500" fill="hold"/>
                                         <p:tgtEl>
                                           <p:spTgt spid="6"/>
                                         </p:tgtEl>
@@ -4553,7 +4679,7 @@
                                     </p:anim>
                                     <p:anim calcmode="lin" valueType="num">
                                       <p:cBhvr additive="base">
-                                        <p:cTn id="8" dur="500" fill="hold"/>
+                                        <p:cTn id="13" dur="500" fill="hold"/>
                                         <p:tgtEl>
                                           <p:spTgt spid="6"/>
                                         </p:tgtEl>
@@ -4574,6 +4700,152 @@
                                         </p:tav>
                                       </p:tavLst>
                                     </p:anim>
+                                  </p:childTnLst>
+                                </p:cTn>
+                              </p:par>
+                              <p:par>
+                                <p:cTn id="14" presetID="2" presetClass="exit" presetSubtype="8" fill="hold" nodeType="withEffect">
+                                  <p:stCondLst>
+                                    <p:cond delay="0"/>
+                                  </p:stCondLst>
+                                  <p:childTnLst>
+                                    <p:anim calcmode="lin" valueType="num">
+                                      <p:cBhvr additive="base">
+                                        <p:cTn id="15" dur="500"/>
+                                        <p:tgtEl>
+                                          <p:spTgt spid="5"/>
+                                        </p:tgtEl>
+                                        <p:attrNameLst>
+                                          <p:attrName>ppt_x</p:attrName>
+                                        </p:attrNameLst>
+                                      </p:cBhvr>
+                                      <p:tavLst>
+                                        <p:tav tm="0">
+                                          <p:val>
+                                            <p:strVal val="ppt_x"/>
+                                          </p:val>
+                                        </p:tav>
+                                        <p:tav tm="100000">
+                                          <p:val>
+                                            <p:strVal val="0-ppt_w/2"/>
+                                          </p:val>
+                                        </p:tav>
+                                      </p:tavLst>
+                                    </p:anim>
+                                    <p:anim calcmode="lin" valueType="num">
+                                      <p:cBhvr additive="base">
+                                        <p:cTn id="16" dur="500"/>
+                                        <p:tgtEl>
+                                          <p:spTgt spid="5"/>
+                                        </p:tgtEl>
+                                        <p:attrNameLst>
+                                          <p:attrName>ppt_y</p:attrName>
+                                        </p:attrNameLst>
+                                      </p:cBhvr>
+                                      <p:tavLst>
+                                        <p:tav tm="0">
+                                          <p:val>
+                                            <p:strVal val="ppt_y"/>
+                                          </p:val>
+                                        </p:tav>
+                                        <p:tav tm="100000">
+                                          <p:val>
+                                            <p:strVal val="ppt_y"/>
+                                          </p:val>
+                                        </p:tav>
+                                      </p:tavLst>
+                                    </p:anim>
+                                    <p:set>
+                                      <p:cBhvr>
+                                        <p:cTn id="17" dur="1" fill="hold">
+                                          <p:stCondLst>
+                                            <p:cond delay="499"/>
+                                          </p:stCondLst>
+                                        </p:cTn>
+                                        <p:tgtEl>
+                                          <p:spTgt spid="5"/>
+                                        </p:tgtEl>
+                                        <p:attrNameLst>
+                                          <p:attrName>style.visibility</p:attrName>
+                                        </p:attrNameLst>
+                                      </p:cBhvr>
+                                      <p:to>
+                                        <p:strVal val="hidden"/>
+                                      </p:to>
+                                    </p:set>
+                                  </p:childTnLst>
+                                </p:cTn>
+                              </p:par>
+                              <p:par>
+                                <p:cTn id="18" presetID="2" presetClass="exit" presetSubtype="8" fill="hold" grpId="1" nodeType="withEffect">
+                                  <p:stCondLst>
+                                    <p:cond delay="0"/>
+                                  </p:stCondLst>
+                                  <p:childTnLst>
+                                    <p:anim calcmode="lin" valueType="num">
+                                      <p:cBhvr additive="base">
+                                        <p:cTn id="19" dur="500"/>
+                                        <p:tgtEl>
+                                          <p:spTgt spid="9"/>
+                                        </p:tgtEl>
+                                        <p:attrNameLst>
+                                          <p:attrName>ppt_x</p:attrName>
+                                        </p:attrNameLst>
+                                      </p:cBhvr>
+                                      <p:tavLst>
+                                        <p:tav tm="0">
+                                          <p:val>
+                                            <p:strVal val="ppt_x"/>
+                                          </p:val>
+                                        </p:tav>
+                                        <p:tav tm="100000">
+                                          <p:val>
+                                            <p:strVal val="0-ppt_w/2"/>
+                                          </p:val>
+                                        </p:tav>
+                                      </p:tavLst>
+                                    </p:anim>
+                                    <p:anim calcmode="lin" valueType="num">
+                                      <p:cBhvr additive="base">
+                                        <p:cTn id="20" dur="500"/>
+                                        <p:tgtEl>
+                                          <p:spTgt spid="9"/>
+                                        </p:tgtEl>
+                                        <p:attrNameLst>
+                                          <p:attrName>ppt_y</p:attrName>
+                                        </p:attrNameLst>
+                                      </p:cBhvr>
+                                      <p:tavLst>
+                                        <p:tav tm="0">
+                                          <p:val>
+                                            <p:strVal val="ppt_y"/>
+                                          </p:val>
+                                        </p:tav>
+                                        <p:tav tm="100000">
+                                          <p:val>
+                                            <p:strVal val="ppt_y"/>
+                                          </p:val>
+                                        </p:tav>
+                                      </p:tavLst>
+                                    </p:anim>
+                                    <p:set>
+                                      <p:cBhvr>
+                                        <p:cTn id="21" dur="1" fill="hold">
+                                          <p:stCondLst>
+                                            <p:cond delay="499"/>
+                                          </p:stCondLst>
+                                        </p:cTn>
+                                        <p:tgtEl>
+                                          <p:spTgt spid="9"/>
+                                        </p:tgtEl>
+                                        <p:attrNameLst>
+                                          <p:attrName>style.visibility</p:attrName>
+                                        </p:attrNameLst>
+                                      </p:cBhvr>
+                                      <p:to>
+                                        <p:strVal val="hidden"/>
+                                      </p:to>
+                                    </p:set>
                                   </p:childTnLst>
                                 </p:cTn>
                               </p:par>
@@ -4604,6 +4876,10 @@
         </p:cTn>
       </p:par>
     </p:tnLst>
+    <p:bldLst>
+      <p:bldP spid="9" grpId="0" animBg="1"/>
+      <p:bldP spid="9" grpId="1" animBg="1"/>
+    </p:bldLst>
   </p:timing>
 </p:sld>
 </file>
@@ -4865,6 +5141,74 @@
 </file>
 
 <file path=ppt/slides/slide18.xml><?xml version="1.0" encoding="utf-8"?>
+<p:sld xmlns:a="http://schemas.openxmlformats.org/drawingml/2006/main" xmlns:r="http://schemas.openxmlformats.org/officeDocument/2006/relationships" xmlns:p="http://schemas.openxmlformats.org/presentationml/2006/main">
+  <p:cSld>
+    <p:spTree>
+      <p:nvGrpSpPr>
+        <p:cNvPr id="1" name=""/>
+        <p:cNvGrpSpPr/>
+        <p:nvPr/>
+      </p:nvGrpSpPr>
+      <p:grpSpPr>
+        <a:xfrm>
+          <a:off x="0" y="0"/>
+          <a:ext cx="0" cy="0"/>
+          <a:chOff x="0" y="0"/>
+          <a:chExt cx="0" cy="0"/>
+        </a:xfrm>
+      </p:grpSpPr>
+      <p:sp>
+        <p:nvSpPr>
+          <p:cNvPr id="3" name="Объект 2">
+            <a:extLst>
+              <a:ext uri="{FF2B5EF4-FFF2-40B4-BE49-F238E27FC236}">
+                <a16:creationId xmlns:a16="http://schemas.microsoft.com/office/drawing/2014/main" id="{01B397E6-6758-304C-8837-03F8E66E4E32}"/>
+              </a:ext>
+            </a:extLst>
+          </p:cNvPr>
+          <p:cNvSpPr>
+            <a:spLocks noGrp="1"/>
+          </p:cNvSpPr>
+          <p:nvPr>
+            <p:ph idx="1"/>
+          </p:nvPr>
+        </p:nvSpPr>
+        <p:spPr>
+          <a:xfrm>
+            <a:off x="838200" y="226031"/>
+            <a:ext cx="10515600" cy="5950932"/>
+          </a:xfrm>
+        </p:spPr>
+        <p:txBody>
+          <a:bodyPr anchor="ctr">
+            <a:normAutofit/>
+          </a:bodyPr>
+          <a:lstStyle/>
+          <a:p>
+            <a:pPr marL="0" indent="0" algn="ctr">
+              <a:buNone/>
+            </a:pPr>
+            <a:r>
+              <a:rPr lang="ru-RU" sz="6000" dirty="0"/>
+              <a:t>СПАСИБО</a:t>
+            </a:r>
+          </a:p>
+        </p:txBody>
+      </p:sp>
+    </p:spTree>
+    <p:extLst>
+      <p:ext uri="{BB962C8B-B14F-4D97-AF65-F5344CB8AC3E}">
+        <p14:creationId xmlns:p14="http://schemas.microsoft.com/office/powerpoint/2010/main" val="702355167"/>
+      </p:ext>
+    </p:extLst>
+  </p:cSld>
+  <p:clrMapOvr>
+    <a:masterClrMapping/>
+  </p:clrMapOvr>
+</p:sld>
+</file>
+
+<file path=ppt/slides/slide19.xml><?xml version="1.0" encoding="utf-8"?>
 <p:sld xmlns:a="http://schemas.openxmlformats.org/drawingml/2006/main" xmlns:r="http://schemas.openxmlformats.org/officeDocument/2006/relationships" xmlns:p="http://schemas.openxmlformats.org/presentationml/2006/main">
   <p:cSld>
     <p:spTree>
